--- a/cmsc125/ostep/slides/01.Virtualization/08.Scheduling_The_Multi-level_Feedback_Queue.pptx
+++ b/cmsc125/ostep/slides/01.Virtualization/08.Scheduling_The_Multi-level_Feedback_Queue.pptx
@@ -24,7 +24,7 @@
     <p:sldId id="266" r:id="rId15"/>
     <p:sldId id="267" r:id="rId16"/>
     <p:sldId id="268" r:id="rId17"/>
-    <p:sldId id="269" r:id="rId18"/>
+    <p:sldId id="299" r:id="rId18"/>
     <p:sldId id="270" r:id="rId19"/>
   </p:sldIdLst>
   <p:sldSz cx="12192000" cy="6858000"/>
@@ -255,7 +255,7 @@
           <a:p>
             <a:fld id="{050F0499-AE52-4672-879B-3107B2FC2A9F}" type="datetimeFigureOut">
               <a:rPr lang="ko-KR" altLang="en-US" smtClean="0"/>
-              <a:t>2021-08-27</a:t>
+              <a:t>2021-08-28</a:t>
             </a:fld>
             <a:endParaRPr lang="ko-KR" altLang="en-US"/>
           </a:p>
@@ -1757,7 +1757,7 @@
           <a:p>
             <a:r>
               <a:rPr lang="en-US" altLang="ko-KR" dirty="0"/>
-              <a:t>Example 1: A Single Long-Running Job</a:t>
+              <a:t>Example 1: A Single Long-Running Process</a:t>
             </a:r>
             <a:endParaRPr lang="ko-KR" altLang="en-US" dirty="0"/>
           </a:p>
@@ -2477,6 +2477,126 @@
               </a:solidFill>
               <a:latin typeface="맑은 고딕" pitchFamily="50" charset="-127"/>
               <a:ea typeface="맑은 고딕" pitchFamily="50" charset="-127"/>
+            </a:endParaRPr>
+          </a:p>
+        </p:txBody>
+      </p:sp>
+      <p:sp>
+        <p:nvSpPr>
+          <p:cNvPr id="4" name="TextBox 3">
+            <a:extLst>
+              <a:ext uri="{FF2B5EF4-FFF2-40B4-BE49-F238E27FC236}">
+                <a16:creationId xmlns:a16="http://schemas.microsoft.com/office/drawing/2014/main" id="{5CE383EE-5839-49B6-9AE1-C828C0328BB0}"/>
+              </a:ext>
+            </a:extLst>
+          </p:cNvPr>
+          <p:cNvSpPr txBox="1"/>
+          <p:nvPr/>
+        </p:nvSpPr>
+        <p:spPr>
+          <a:xfrm>
+            <a:off x="2711624" y="2080132"/>
+            <a:ext cx="1008112" cy="369332"/>
+          </a:xfrm>
+          <a:prstGeom prst="rect">
+            <a:avLst/>
+          </a:prstGeom>
+          <a:noFill/>
+        </p:spPr>
+        <p:txBody>
+          <a:bodyPr wrap="square" rtlCol="0">
+            <a:spAutoFit/>
+          </a:bodyPr>
+          <a:lstStyle/>
+          <a:p>
+            <a:r>
+              <a:rPr lang="en-US" dirty="0">
+                <a:latin typeface="Oswald" pitchFamily="2" charset="0"/>
+              </a:rPr>
+              <a:t>Rule 3</a:t>
+            </a:r>
+            <a:endParaRPr lang="en-PH" dirty="0">
+              <a:latin typeface="Oswald" pitchFamily="2" charset="0"/>
+            </a:endParaRPr>
+          </a:p>
+        </p:txBody>
+      </p:sp>
+      <p:sp>
+        <p:nvSpPr>
+          <p:cNvPr id="21" name="TextBox 20">
+            <a:extLst>
+              <a:ext uri="{FF2B5EF4-FFF2-40B4-BE49-F238E27FC236}">
+                <a16:creationId xmlns:a16="http://schemas.microsoft.com/office/drawing/2014/main" id="{6369B8A7-5B09-4C93-BFC7-C1D542324A70}"/>
+              </a:ext>
+            </a:extLst>
+          </p:cNvPr>
+          <p:cNvSpPr txBox="1"/>
+          <p:nvPr/>
+        </p:nvSpPr>
+        <p:spPr>
+          <a:xfrm>
+            <a:off x="2711624" y="2803804"/>
+            <a:ext cx="1008112" cy="369332"/>
+          </a:xfrm>
+          <a:prstGeom prst="rect">
+            <a:avLst/>
+          </a:prstGeom>
+          <a:noFill/>
+        </p:spPr>
+        <p:txBody>
+          <a:bodyPr wrap="square" rtlCol="0">
+            <a:spAutoFit/>
+          </a:bodyPr>
+          <a:lstStyle/>
+          <a:p>
+            <a:r>
+              <a:rPr lang="en-US" dirty="0">
+                <a:latin typeface="Oswald" pitchFamily="2" charset="0"/>
+              </a:rPr>
+              <a:t>Rule 4a</a:t>
+            </a:r>
+            <a:endParaRPr lang="en-PH" dirty="0">
+              <a:latin typeface="Oswald" pitchFamily="2" charset="0"/>
+            </a:endParaRPr>
+          </a:p>
+        </p:txBody>
+      </p:sp>
+      <p:sp>
+        <p:nvSpPr>
+          <p:cNvPr id="23" name="TextBox 22">
+            <a:extLst>
+              <a:ext uri="{FF2B5EF4-FFF2-40B4-BE49-F238E27FC236}">
+                <a16:creationId xmlns:a16="http://schemas.microsoft.com/office/drawing/2014/main" id="{C8A2C0D2-9DAE-45E4-AB8C-07D687D8D151}"/>
+              </a:ext>
+            </a:extLst>
+          </p:cNvPr>
+          <p:cNvSpPr txBox="1"/>
+          <p:nvPr/>
+        </p:nvSpPr>
+        <p:spPr>
+          <a:xfrm>
+            <a:off x="2711624" y="3532364"/>
+            <a:ext cx="1008112" cy="369332"/>
+          </a:xfrm>
+          <a:prstGeom prst="rect">
+            <a:avLst/>
+          </a:prstGeom>
+          <a:noFill/>
+        </p:spPr>
+        <p:txBody>
+          <a:bodyPr wrap="square" rtlCol="0">
+            <a:spAutoFit/>
+          </a:bodyPr>
+          <a:lstStyle/>
+          <a:p>
+            <a:r>
+              <a:rPr lang="en-US" dirty="0">
+                <a:latin typeface="Oswald" pitchFamily="2" charset="0"/>
+              </a:rPr>
+              <a:t>Rule 4a</a:t>
+            </a:r>
+            <a:endParaRPr lang="en-PH" dirty="0">
+              <a:latin typeface="Oswald" pitchFamily="2" charset="0"/>
             </a:endParaRPr>
           </a:p>
         </p:txBody>
@@ -2531,7 +2651,7 @@
           <a:p>
             <a:r>
               <a:rPr lang="en-US" altLang="ko-KR" dirty="0"/>
-              <a:t>Example 2: Along Came a Short Job</a:t>
+              <a:t>Example 2: Along Came a Short Process</a:t>
             </a:r>
             <a:endParaRPr lang="ko-KR" altLang="en-US" dirty="0"/>
           </a:p>
@@ -2554,29 +2674,45 @@
           <a:p>
             <a:r>
               <a:rPr lang="en-US" altLang="ko-KR" dirty="0"/>
-              <a:t>Assumption:</a:t>
+              <a:t>Assumptions:</a:t>
             </a:r>
           </a:p>
           <a:p>
             <a:pPr lvl="1"/>
             <a:r>
               <a:rPr lang="en-US" altLang="ko-KR" b="1" dirty="0"/>
-              <a:t>Job A</a:t>
+              <a:t>Process A</a:t>
             </a:r>
             <a:r>
               <a:rPr lang="en-US" altLang="ko-KR" dirty="0"/>
-              <a:t>: A long-running CPU-intensive job</a:t>
+              <a:t>: A long-running </a:t>
+            </a:r>
+            <a:r>
+              <a:rPr lang="en-US" altLang="ko-KR" u="sng" dirty="0"/>
+              <a:t>CPU-intensive</a:t>
+            </a:r>
+            <a:r>
+              <a:rPr lang="en-US" altLang="ko-KR" dirty="0"/>
+              <a:t> process</a:t>
             </a:r>
           </a:p>
           <a:p>
             <a:pPr lvl="1"/>
             <a:r>
               <a:rPr lang="en-US" altLang="ko-KR" b="1" dirty="0"/>
-              <a:t>Job B</a:t>
+              <a:t>Process B</a:t>
             </a:r>
             <a:r>
               <a:rPr lang="en-US" altLang="ko-KR" dirty="0"/>
-              <a:t>: A short-running interactive job (20ms runtime)</a:t>
+              <a:t>: A short-running </a:t>
+            </a:r>
+            <a:r>
+              <a:rPr lang="en-US" altLang="ko-KR" u="sng" dirty="0"/>
+              <a:t>interactive</a:t>
+            </a:r>
+            <a:r>
+              <a:rPr lang="en-US" altLang="ko-KR" dirty="0"/>
+              <a:t> process (20ms runtime)</a:t>
             </a:r>
           </a:p>
           <a:p>
@@ -3547,6 +3683,167 @@
           </p:txBody>
         </p:sp>
       </p:grpSp>
+      <p:sp>
+        <p:nvSpPr>
+          <p:cNvPr id="28" name="TextBox 27">
+            <a:extLst>
+              <a:ext uri="{FF2B5EF4-FFF2-40B4-BE49-F238E27FC236}">
+                <a16:creationId xmlns:a16="http://schemas.microsoft.com/office/drawing/2014/main" id="{E95BBE84-8798-4448-A69F-A092A1C568A7}"/>
+              </a:ext>
+            </a:extLst>
+          </p:cNvPr>
+          <p:cNvSpPr txBox="1"/>
+          <p:nvPr/>
+        </p:nvSpPr>
+        <p:spPr>
+          <a:xfrm>
+            <a:off x="2602956" y="3663714"/>
+            <a:ext cx="1008112" cy="369332"/>
+          </a:xfrm>
+          <a:prstGeom prst="rect">
+            <a:avLst/>
+          </a:prstGeom>
+          <a:noFill/>
+        </p:spPr>
+        <p:txBody>
+          <a:bodyPr wrap="square" rtlCol="0">
+            <a:spAutoFit/>
+          </a:bodyPr>
+          <a:lstStyle/>
+          <a:p>
+            <a:r>
+              <a:rPr lang="en-US" dirty="0">
+                <a:latin typeface="Oswald" pitchFamily="2" charset="0"/>
+              </a:rPr>
+              <a:t>Rule 3</a:t>
+            </a:r>
+            <a:endParaRPr lang="en-PH" dirty="0">
+              <a:latin typeface="Oswald" pitchFamily="2" charset="0"/>
+            </a:endParaRPr>
+          </a:p>
+        </p:txBody>
+      </p:sp>
+      <p:sp>
+        <p:nvSpPr>
+          <p:cNvPr id="30" name="TextBox 29">
+            <a:extLst>
+              <a:ext uri="{FF2B5EF4-FFF2-40B4-BE49-F238E27FC236}">
+                <a16:creationId xmlns:a16="http://schemas.microsoft.com/office/drawing/2014/main" id="{77C9E784-2BDC-4BC9-B842-156A09D44CD7}"/>
+              </a:ext>
+            </a:extLst>
+          </p:cNvPr>
+          <p:cNvSpPr txBox="1"/>
+          <p:nvPr/>
+        </p:nvSpPr>
+        <p:spPr>
+          <a:xfrm>
+            <a:off x="2602956" y="4315426"/>
+            <a:ext cx="1008112" cy="369332"/>
+          </a:xfrm>
+          <a:prstGeom prst="rect">
+            <a:avLst/>
+          </a:prstGeom>
+          <a:noFill/>
+        </p:spPr>
+        <p:txBody>
+          <a:bodyPr wrap="square" rtlCol="0">
+            <a:spAutoFit/>
+          </a:bodyPr>
+          <a:lstStyle/>
+          <a:p>
+            <a:r>
+              <a:rPr lang="en-US" dirty="0">
+                <a:latin typeface="Oswald" pitchFamily="2" charset="0"/>
+              </a:rPr>
+              <a:t>Rule 4a</a:t>
+            </a:r>
+            <a:endParaRPr lang="en-PH" dirty="0">
+              <a:latin typeface="Oswald" pitchFamily="2" charset="0"/>
+            </a:endParaRPr>
+          </a:p>
+        </p:txBody>
+      </p:sp>
+      <p:sp>
+        <p:nvSpPr>
+          <p:cNvPr id="31" name="모서리가 둥근 직사각형 5">
+            <a:extLst>
+              <a:ext uri="{FF2B5EF4-FFF2-40B4-BE49-F238E27FC236}">
+                <a16:creationId xmlns:a16="http://schemas.microsoft.com/office/drawing/2014/main" id="{9D070CC5-D96B-4EE1-83A7-DD9E1897906E}"/>
+              </a:ext>
+            </a:extLst>
+          </p:cNvPr>
+          <p:cNvSpPr/>
+          <p:nvPr/>
+        </p:nvSpPr>
+        <p:spPr>
+          <a:xfrm>
+            <a:off x="6888088" y="1252673"/>
+            <a:ext cx="5113412" cy="1296141"/>
+          </a:xfrm>
+          <a:prstGeom prst="roundRect">
+            <a:avLst>
+              <a:gd name="adj" fmla="val 7736"/>
+            </a:avLst>
+          </a:prstGeom>
+          <a:solidFill>
+            <a:srgbClr val="FFC000"/>
+          </a:solidFill>
+          <a:ln w="15875">
+            <a:solidFill>
+              <a:schemeClr val="accent6">
+                <a:lumMod val="50000"/>
+              </a:schemeClr>
+            </a:solidFill>
+          </a:ln>
+          <a:effectLst/>
+        </p:spPr>
+        <p:style>
+          <a:lnRef idx="3">
+            <a:schemeClr val="lt1"/>
+          </a:lnRef>
+          <a:fillRef idx="1">
+            <a:schemeClr val="accent1"/>
+          </a:fillRef>
+          <a:effectRef idx="1">
+            <a:schemeClr val="accent1"/>
+          </a:effectRef>
+          <a:fontRef idx="minor">
+            <a:schemeClr val="lt1"/>
+          </a:fontRef>
+        </p:style>
+        <p:txBody>
+          <a:bodyPr wrap="square" lIns="108000" rIns="108000" rtlCol="0" anchor="ctr">
+            <a:noAutofit/>
+          </a:bodyPr>
+          <a:lstStyle/>
+          <a:p>
+            <a:pPr algn="ctr"/>
+            <a:r>
+              <a:rPr lang="en-US" altLang="ko-KR" sz="2000" b="1" dirty="0">
+                <a:solidFill>
+                  <a:prstClr val="black"/>
+                </a:solidFill>
+                <a:latin typeface="맑은 고딕" panose="020B0503020000020004" pitchFamily="50" charset="-127"/>
+                <a:ea typeface="맑은 고딕" panose="020B0503020000020004" pitchFamily="50" charset="-127"/>
+              </a:rPr>
+              <a:t>Scheduler does not know the run-time of new process. Assumes it is short. If it is, then it will finish early.</a:t>
+            </a:r>
+          </a:p>
+          <a:p>
+            <a:pPr algn="ctr"/>
+            <a:r>
+              <a:rPr lang="en-US" altLang="ko-KR" sz="2000" b="1" dirty="0">
+                <a:solidFill>
+                  <a:prstClr val="black"/>
+                </a:solidFill>
+                <a:latin typeface="맑은 고딕" panose="020B0503020000020004" pitchFamily="50" charset="-127"/>
+                <a:ea typeface="맑은 고딕" panose="020B0503020000020004" pitchFamily="50" charset="-127"/>
+              </a:rPr>
+              <a:t>Thus approximates SJF.</a:t>
+            </a:r>
+          </a:p>
+        </p:txBody>
+      </p:sp>
     </p:spTree>
     <p:extLst>
       <p:ext uri="{BB962C8B-B14F-4D97-AF65-F5344CB8AC3E}">
@@ -3620,25 +3917,25 @@
           <a:p>
             <a:r>
               <a:rPr lang="en-US" altLang="ko-KR" dirty="0"/>
-              <a:t>Assumption:</a:t>
+              <a:t>Assumptions:</a:t>
             </a:r>
           </a:p>
           <a:p>
             <a:pPr lvl="1"/>
             <a:r>
               <a:rPr lang="en-US" altLang="ko-KR" b="1" dirty="0"/>
-              <a:t>Job A</a:t>
+              <a:t>Process A</a:t>
             </a:r>
             <a:r>
               <a:rPr lang="en-US" altLang="ko-KR" dirty="0"/>
-              <a:t>: A long-running CPU-intensive job</a:t>
+              <a:t>: A long-running CPU-intensive process</a:t>
             </a:r>
           </a:p>
           <a:p>
             <a:pPr lvl="1"/>
             <a:r>
               <a:rPr lang="en-US" altLang="ko-KR" b="1" dirty="0"/>
-              <a:t>Job B</a:t>
+              <a:t>Process B</a:t>
             </a:r>
             <a:r>
               <a:rPr lang="en-US" altLang="ko-KR" dirty="0"/>
@@ -3652,11 +3949,11 @@
                   </a:schemeClr>
                 </a:solidFill>
               </a:rPr>
-              <a:t>An interactive job </a:t>
+              <a:t>An interactive process </a:t>
             </a:r>
             <a:r>
               <a:rPr lang="en-US" altLang="ko-KR" dirty="0"/>
-              <a:t>that need the CPU only for 1ms before performing an I/O</a:t>
+              <a:t>that needs the CPU only for 1ms before performing an I/O</a:t>
             </a:r>
           </a:p>
         </p:txBody>
@@ -5983,8 +6280,8 @@
         </p:nvSpPr>
         <p:spPr>
           <a:xfrm>
-            <a:off x="2423592" y="5733256"/>
-            <a:ext cx="7632848" cy="638780"/>
+            <a:off x="1067061" y="5713396"/>
+            <a:ext cx="10153128" cy="937195"/>
           </a:xfrm>
           <a:prstGeom prst="roundRect">
             <a:avLst>
@@ -6032,8 +6329,61 @@
                 <a:latin typeface="맑은 고딕" panose="020B0503020000020004" pitchFamily="50" charset="-127"/>
                 <a:ea typeface="맑은 고딕" panose="020B0503020000020004" pitchFamily="50" charset="-127"/>
               </a:rPr>
+              <a:t>Don’t penalize a process (by reducing priority) if CPU is given up before time slice completes.</a:t>
+            </a:r>
+          </a:p>
+          <a:p>
+            <a:pPr algn="ctr"/>
+            <a:r>
+              <a:rPr lang="en-US" altLang="ko-KR" sz="1600" b="1" dirty="0">
+                <a:solidFill>
+                  <a:prstClr val="black"/>
+                </a:solidFill>
+                <a:latin typeface="맑은 고딕" panose="020B0503020000020004" pitchFamily="50" charset="-127"/>
+                <a:ea typeface="맑은 고딕" panose="020B0503020000020004" pitchFamily="50" charset="-127"/>
+              </a:rPr>
               <a:t>The MLFQ approach keeps an interactive job at the highest priority</a:t>
             </a:r>
+          </a:p>
+        </p:txBody>
+      </p:sp>
+      <p:sp>
+        <p:nvSpPr>
+          <p:cNvPr id="52" name="TextBox 51">
+            <a:extLst>
+              <a:ext uri="{FF2B5EF4-FFF2-40B4-BE49-F238E27FC236}">
+                <a16:creationId xmlns:a16="http://schemas.microsoft.com/office/drawing/2014/main" id="{7F6328D5-75B2-48F6-BAE0-BCB31CD94835}"/>
+              </a:ext>
+            </a:extLst>
+          </p:cNvPr>
+          <p:cNvSpPr txBox="1"/>
+          <p:nvPr/>
+        </p:nvSpPr>
+        <p:spPr>
+          <a:xfrm>
+            <a:off x="2722241" y="2947004"/>
+            <a:ext cx="1008112" cy="369332"/>
+          </a:xfrm>
+          <a:prstGeom prst="rect">
+            <a:avLst/>
+          </a:prstGeom>
+          <a:noFill/>
+        </p:spPr>
+        <p:txBody>
+          <a:bodyPr wrap="square" rtlCol="0">
+            <a:spAutoFit/>
+          </a:bodyPr>
+          <a:lstStyle/>
+          <a:p>
+            <a:r>
+              <a:rPr lang="en-US" dirty="0">
+                <a:latin typeface="Oswald" pitchFamily="2" charset="0"/>
+              </a:rPr>
+              <a:t>Rule 4b</a:t>
+            </a:r>
+            <a:endParaRPr lang="en-PH" dirty="0">
+              <a:latin typeface="Oswald" pitchFamily="2" charset="0"/>
+            </a:endParaRPr>
           </a:p>
         </p:txBody>
       </p:sp>
@@ -6087,7 +6437,7 @@
           <a:p>
             <a:r>
               <a:rPr lang="en-US" altLang="ko-KR" dirty="0"/>
-              <a:t>Problems with the Basic MLFQ</a:t>
+              <a:t>Problems with the Basic MLFQ and Approach #1</a:t>
             </a:r>
             <a:endParaRPr lang="ko-KR" altLang="en-US" dirty="0"/>
           </a:p>
@@ -6108,8 +6458,12 @@
           <a:bodyPr/>
           <a:lstStyle/>
           <a:p>
-            <a:r>
-              <a:rPr lang="en-US" altLang="ko-KR" dirty="0"/>
+            <a:pPr marL="457200" indent="-457200">
+              <a:buFont typeface="+mj-lt"/>
+              <a:buAutoNum type="arabicPeriod"/>
+            </a:pPr>
+            <a:r>
+              <a:rPr lang="en-US" altLang="ko-KR" b="1" dirty="0"/>
               <a:t>Starvation</a:t>
             </a:r>
           </a:p>
@@ -6117,61 +6471,77 @@
             <a:pPr lvl="1"/>
             <a:r>
               <a:rPr lang="en-US" altLang="ko-KR" dirty="0"/>
-              <a:t>If there are “too many” interactive jobs in the system.</a:t>
+              <a:t>If there are “too many” interactive processes in the system, long-running processes will never receive any CPU time</a:t>
+            </a:r>
+          </a:p>
+          <a:p>
+            <a:pPr marL="457200" indent="-457200">
+              <a:buFont typeface="+mj-lt"/>
+              <a:buAutoNum type="arabicPeriod"/>
+            </a:pPr>
+            <a:endParaRPr lang="en-US" altLang="ko-KR" dirty="0"/>
+          </a:p>
+          <a:p>
+            <a:pPr marL="457200" indent="-457200">
+              <a:buFont typeface="+mj-lt"/>
+              <a:buAutoNum type="arabicPeriod"/>
+            </a:pPr>
+            <a:r>
+              <a:rPr lang="en-US" altLang="ko-KR" b="1" dirty="0"/>
+              <a:t>A process may change its behavior over time</a:t>
             </a:r>
           </a:p>
           <a:p>
             <a:pPr lvl="1"/>
             <a:r>
               <a:rPr lang="en-US" altLang="ko-KR" dirty="0"/>
-              <a:t>Lon-running jobs will never receive any CPU time.</a:t>
-            </a:r>
+              <a:t>CPU bound process </a:t>
+            </a:r>
+            <a:r>
+              <a:rPr lang="en-US" altLang="ko-KR" dirty="0">
+                <a:sym typeface="Wingdings" pitchFamily="2" charset="2"/>
+              </a:rPr>
+              <a:t>becomes an I/O bound process</a:t>
+            </a:r>
+            <a:endParaRPr lang="ko-KR" altLang="en-US" dirty="0"/>
           </a:p>
           <a:p>
-            <a:endParaRPr lang="en-US" altLang="ko-KR" dirty="0"/>
+            <a:pPr marL="457200" indent="-457200">
+              <a:buFont typeface="+mj-lt"/>
+              <a:buAutoNum type="arabicPeriod"/>
+            </a:pPr>
+            <a:endParaRPr lang="en-US" altLang="ko-KR" b="1" dirty="0"/>
           </a:p>
           <a:p>
-            <a:r>
-              <a:rPr lang="en-US" altLang="ko-KR" dirty="0"/>
-              <a:t>Game the scheduler</a:t>
+            <a:pPr marL="457200" indent="-457200">
+              <a:buFont typeface="+mj-lt"/>
+              <a:buAutoNum type="arabicPeriod"/>
+            </a:pPr>
+            <a:r>
+              <a:rPr lang="en-US" altLang="ko-KR" b="1" dirty="0"/>
+              <a:t>Gaming the scheduler</a:t>
             </a:r>
           </a:p>
           <a:p>
             <a:pPr lvl="1"/>
             <a:r>
               <a:rPr lang="en-US" altLang="ko-KR" dirty="0"/>
-              <a:t>After running 99% of a time slice, issue an I/O operation.</a:t>
+              <a:t>After running 99% of a time slice, issue an I/O operation – does not consume entire time slice thus remains in current queue</a:t>
             </a:r>
           </a:p>
           <a:p>
             <a:pPr lvl="1"/>
             <a:r>
               <a:rPr lang="en-US" altLang="ko-KR" dirty="0"/>
-              <a:t>The job gain a higher percentage of CPU time.</a:t>
+              <a:t>The process gains a higher percentage of CPU time</a:t>
             </a:r>
           </a:p>
           <a:p>
+            <a:pPr marL="457200" indent="-457200">
+              <a:buFont typeface="+mj-lt"/>
+              <a:buAutoNum type="arabicPeriod"/>
+            </a:pPr>
             <a:endParaRPr lang="en-US" altLang="ko-KR" dirty="0"/>
-          </a:p>
-          <a:p>
-            <a:r>
-              <a:rPr lang="en-US" altLang="ko-KR" dirty="0"/>
-              <a:t>A program may change its behavior over time.</a:t>
-            </a:r>
-          </a:p>
-          <a:p>
-            <a:pPr lvl="1"/>
-            <a:r>
-              <a:rPr lang="en-US" altLang="ko-KR" dirty="0"/>
-              <a:t>CPU bound process </a:t>
-            </a:r>
-            <a:r>
-              <a:rPr lang="en-US" altLang="ko-KR" dirty="0">
-                <a:sym typeface="Wingdings" pitchFamily="2" charset="2"/>
-              </a:rPr>
-              <a:t> I/O bound process</a:t>
-            </a:r>
-            <a:endParaRPr lang="ko-KR" altLang="en-US" dirty="0"/>
           </a:p>
         </p:txBody>
       </p:sp>
@@ -6225,7 +6595,7 @@
           <a:p>
             <a:r>
               <a:rPr lang="en-US" altLang="ko-KR" dirty="0"/>
-              <a:t>The Priority Boost</a:t>
+              <a:t>Approach #2: The Priority Boost</a:t>
             </a:r>
             <a:endParaRPr lang="ko-KR" altLang="en-US" dirty="0"/>
           </a:p>
@@ -6247,12 +6617,56 @@
           <a:lstStyle/>
           <a:p>
             <a:r>
+              <a:rPr lang="en-US" altLang="ko-KR" dirty="0"/>
+              <a:t>Solves </a:t>
+            </a:r>
+            <a:r>
+              <a:rPr lang="en-US" altLang="ko-KR" u="sng" dirty="0"/>
+              <a:t>starvation</a:t>
+            </a:r>
+            <a:r>
+              <a:rPr lang="en-US" altLang="ko-KR" b="1" dirty="0"/>
+              <a:t> </a:t>
+            </a:r>
+            <a:r>
+              <a:rPr lang="en-US" altLang="ko-KR" dirty="0"/>
+              <a:t>and </a:t>
+            </a:r>
+            <a:r>
+              <a:rPr lang="en-US" altLang="ko-KR" u="sng" dirty="0"/>
+              <a:t>a CPU-bound process becoming interactive</a:t>
+            </a:r>
+          </a:p>
+          <a:p>
+            <a:r>
               <a:rPr lang="en-US" altLang="ko-KR" b="1" dirty="0"/>
               <a:t>Rule 5:</a:t>
             </a:r>
             <a:r>
               <a:rPr lang="en-US" altLang="ko-KR" dirty="0"/>
-              <a:t> After some time period S, move all the jobs in the system to the topmost queue.</a:t>
+              <a:t> After some time period </a:t>
+            </a:r>
+            <a:r>
+              <a:rPr lang="en-US" altLang="ko-KR" b="1" dirty="0"/>
+              <a:t>S</a:t>
+            </a:r>
+            <a:r>
+              <a:rPr lang="en-US" altLang="ko-KR" dirty="0"/>
+              <a:t>, move all the processes in the system to the topmost queue</a:t>
+            </a:r>
+          </a:p>
+          <a:p>
+            <a:r>
+              <a:rPr lang="en-US" altLang="ko-KR" dirty="0"/>
+              <a:t>What is a good value for </a:t>
+            </a:r>
+            <a:r>
+              <a:rPr lang="en-US" altLang="ko-KR" b="1" dirty="0"/>
+              <a:t>S</a:t>
+            </a:r>
+            <a:r>
+              <a:rPr lang="en-US" altLang="ko-KR" dirty="0"/>
+              <a:t>? – an interesting question</a:t>
             </a:r>
           </a:p>
           <a:p>
@@ -6266,7 +6680,7 @@
             <a:pPr lvl="2"/>
             <a:r>
               <a:rPr lang="en-US" altLang="ko-KR" dirty="0"/>
-              <a:t>A long-running job(A) with two short-running interactive job(B, C)</a:t>
+              <a:t>A long-running process(A) with two short-running interactive process(B, C), priority boost every S=50ms</a:t>
             </a:r>
             <a:endParaRPr lang="ko-KR" altLang="en-US" dirty="0"/>
           </a:p>
@@ -6280,7 +6694,7 @@
         </p:nvGrpSpPr>
         <p:grpSpPr>
           <a:xfrm>
-            <a:off x="1487489" y="3212977"/>
+            <a:off x="1487489" y="3540084"/>
             <a:ext cx="4448447" cy="2456121"/>
             <a:chOff x="251520" y="2636912"/>
             <a:chExt cx="4448447" cy="2456121"/>
@@ -8564,7 +8978,7 @@
         </p:nvGrpSpPr>
         <p:grpSpPr>
           <a:xfrm>
-            <a:off x="6096001" y="3267051"/>
+            <a:off x="6096001" y="3594158"/>
             <a:ext cx="4448447" cy="2402046"/>
             <a:chOff x="4644008" y="2690987"/>
             <a:chExt cx="4448447" cy="2402046"/>
@@ -10774,7 +11188,7 @@
         </p:nvSpPr>
         <p:spPr>
           <a:xfrm>
-            <a:off x="3293356" y="5898758"/>
+            <a:off x="3293356" y="6225865"/>
             <a:ext cx="5610957" cy="338554"/>
           </a:xfrm>
           <a:prstGeom prst="rect">
@@ -10817,7 +11231,7 @@
         </p:nvGrpSpPr>
         <p:grpSpPr>
           <a:xfrm>
-            <a:off x="8436280" y="5886749"/>
+            <a:off x="8436280" y="6213856"/>
             <a:ext cx="1908192" cy="383496"/>
             <a:chOff x="4824048" y="1350245"/>
             <a:chExt cx="1908192" cy="383496"/>
@@ -11175,7 +11589,7 @@
           <a:p>
             <a:r>
               <a:rPr lang="en-US" altLang="ko-KR" dirty="0"/>
-              <a:t>Better Accounting</a:t>
+              <a:t>Approach #3: Better accounting of CPU time consumed by processes in each queue</a:t>
             </a:r>
             <a:endParaRPr lang="ko-KR" altLang="en-US" dirty="0"/>
           </a:p>
@@ -11198,8 +11612,13 @@
           <a:p>
             <a:r>
               <a:rPr lang="en-US" altLang="ko-KR" dirty="0"/>
-              <a:t>How to prevent gaming of our scheduler?</a:t>
-            </a:r>
+              <a:t>Prevents a process from </a:t>
+            </a:r>
+            <a:r>
+              <a:rPr lang="en-US" altLang="ko-KR" u="sng" dirty="0"/>
+              <a:t>gaming the scheduler</a:t>
+            </a:r>
+            <a:endParaRPr lang="en-US" altLang="ko-KR" dirty="0"/>
           </a:p>
           <a:p>
             <a:r>
@@ -11217,11 +11636,11 @@
               <a:rPr lang="en-US" altLang="ko-KR" dirty="0">
                 <a:sym typeface="Wingdings" pitchFamily="2" charset="2"/>
               </a:rPr>
-              <a:t>(Rewrite Rules 4a and 4b):</a:t>
+              <a:t>(Rewrite of Rules 4a and 4b):</a:t>
             </a:r>
             <a:r>
               <a:rPr lang="en-US" altLang="ko-KR" dirty="0"/>
-              <a:t> Once a job </a:t>
+              <a:t> Once a process </a:t>
             </a:r>
             <a:r>
               <a:rPr lang="en-US" altLang="ko-KR" dirty="0">
@@ -11231,15 +11650,15 @@
                   </a:schemeClr>
                 </a:solidFill>
               </a:rPr>
-              <a:t>uses up its time allotment </a:t>
+              <a:t>has consumed its time slice </a:t>
             </a:r>
             <a:r>
               <a:rPr lang="en-US" altLang="ko-KR" dirty="0"/>
-              <a:t>at a given level (regardless of how many times it has given up the CPU), </a:t>
+              <a:t>in a given queue (regardless of how many times it has given up the CPU), </a:t>
             </a:r>
             <a:r>
               <a:rPr lang="en-US" altLang="ko-KR" b="1" dirty="0"/>
-              <a:t>its priority is reduced</a:t>
+              <a:t>its priority is reduced </a:t>
             </a:r>
             <a:r>
               <a:rPr lang="en-US" altLang="ko-KR" dirty="0"/>
@@ -16316,24 +16735,40 @@
           <a:bodyPr/>
           <a:lstStyle/>
           <a:p>
-            <a:pPr lvl="1"/>
-            <a:endParaRPr lang="en-US" altLang="ko-KR" dirty="0"/>
+            <a:r>
+              <a:rPr lang="en-US" altLang="ko-KR" dirty="0"/>
+              <a:t>How do we parameterize the MLFQ scheduler?</a:t>
+            </a:r>
           </a:p>
           <a:p>
             <a:pPr lvl="1"/>
             <a:r>
               <a:rPr lang="en-US" altLang="ko-KR" dirty="0"/>
-              <a:t>The high-priority queues </a:t>
+              <a:t># of queues, time slice per queue, best value for S, etc.</a:t>
+            </a:r>
+          </a:p>
+          <a:p>
+            <a:pPr lvl="1"/>
+            <a:r>
+              <a:rPr lang="en-US" altLang="ko-KR" dirty="0"/>
+              <a:t>Typically:</a:t>
+            </a:r>
+          </a:p>
+          <a:p>
+            <a:pPr lvl="2"/>
+            <a:r>
+              <a:rPr lang="en-US" altLang="ko-KR" dirty="0"/>
+              <a:t> High-priority queues  are given </a:t>
             </a:r>
             <a:r>
               <a:rPr lang="en-US" altLang="ko-KR" dirty="0">
                 <a:sym typeface="Wingdings" pitchFamily="2" charset="2"/>
               </a:rPr>
-              <a:t> Short time slices</a:t>
+              <a:t>short time slices</a:t>
             </a:r>
           </a:p>
           <a:p>
-            <a:pPr lvl="2"/>
+            <a:pPr lvl="3"/>
             <a:r>
               <a:rPr lang="en-US" altLang="ko-KR" dirty="0">
                 <a:sym typeface="Wingdings" pitchFamily="2" charset="2"/>
@@ -16342,16 +16777,16 @@
             </a:r>
           </a:p>
           <a:p>
-            <a:pPr lvl="1"/>
+            <a:pPr lvl="2"/>
             <a:r>
               <a:rPr lang="en-US" altLang="ko-KR" dirty="0">
                 <a:sym typeface="Wingdings" pitchFamily="2" charset="2"/>
               </a:rPr>
-              <a:t>The Low-priority queue  Longer time slices</a:t>
+              <a:t>Low-priority queues are given longer time slices</a:t>
             </a:r>
           </a:p>
           <a:p>
-            <a:pPr lvl="2"/>
+            <a:pPr lvl="3"/>
             <a:r>
               <a:rPr lang="en-US" altLang="ko-KR" dirty="0">
                 <a:sym typeface="Wingdings" pitchFamily="2" charset="2"/>
@@ -16370,7 +16805,7 @@
         </p:nvGrpSpPr>
         <p:grpSpPr>
           <a:xfrm>
-            <a:off x="3519762" y="3429000"/>
+            <a:off x="5968034" y="1484784"/>
             <a:ext cx="4664471" cy="2520240"/>
             <a:chOff x="2427809" y="3141008"/>
             <a:chExt cx="4664471" cy="2520240"/>
@@ -17292,7 +17727,7 @@
         </p:nvSpPr>
         <p:spPr>
           <a:xfrm>
-            <a:off x="2639616" y="5949240"/>
+            <a:off x="5087888" y="4005024"/>
             <a:ext cx="6552728" cy="523220"/>
           </a:xfrm>
           <a:prstGeom prst="rect">
@@ -17348,7 +17783,7 @@
         </p:nvSpPr>
         <p:spPr>
           <a:xfrm>
-            <a:off x="4203808" y="908720"/>
+            <a:off x="6708117" y="4969738"/>
             <a:ext cx="3836408" cy="504056"/>
           </a:xfrm>
           <a:prstGeom prst="roundRect">
@@ -17437,7 +17872,13 @@
       </p:grpSpPr>
       <p:sp>
         <p:nvSpPr>
-          <p:cNvPr id="2" name="제목 1"/>
+          <p:cNvPr id="3" name="Title 2">
+            <a:extLst>
+              <a:ext uri="{FF2B5EF4-FFF2-40B4-BE49-F238E27FC236}">
+                <a16:creationId xmlns:a16="http://schemas.microsoft.com/office/drawing/2014/main" id="{B5C72E6D-3D2F-44FC-8CA9-AACEE8A73AA4}"/>
+              </a:ext>
+            </a:extLst>
+          </p:cNvPr>
           <p:cNvSpPr>
             <a:spLocks noGrp="1"/>
           </p:cNvSpPr>
@@ -17452,15 +17893,21 @@
           <a:p>
             <a:r>
               <a:rPr lang="en-US" altLang="ko-KR" dirty="0"/>
-              <a:t>The Solaris MLFQ implementation</a:t>
-            </a:r>
-            <a:endParaRPr lang="ko-KR" altLang="en-US" dirty="0"/>
+              <a:t>Tuning MLFQ And Other Issues (Cont.)</a:t>
+            </a:r>
+            <a:endParaRPr lang="en-PH" dirty="0"/>
           </a:p>
         </p:txBody>
       </p:sp>
       <p:sp>
         <p:nvSpPr>
-          <p:cNvPr id="3" name="내용 개체 틀 2"/>
+          <p:cNvPr id="4" name="Content Placeholder 3">
+            <a:extLst>
+              <a:ext uri="{FF2B5EF4-FFF2-40B4-BE49-F238E27FC236}">
+                <a16:creationId xmlns:a16="http://schemas.microsoft.com/office/drawing/2014/main" id="{68B086EC-4076-45CF-A094-FCDE1707903A}"/>
+              </a:ext>
+            </a:extLst>
+          </p:cNvPr>
           <p:cNvSpPr>
             <a:spLocks noGrp="1"/>
           </p:cNvSpPr>
@@ -17475,20 +17922,27 @@
           <a:p>
             <a:r>
               <a:rPr lang="en-US" altLang="ko-KR" dirty="0"/>
-              <a:t>For the Time-Sharing scheduling class (TS)</a:t>
+              <a:t>For Solaris - Time-Sharing scheduling class (TS) </a:t>
             </a:r>
           </a:p>
           <a:p>
             <a:pPr lvl="1"/>
             <a:r>
               <a:rPr lang="en-US" altLang="ko-KR" dirty="0"/>
-              <a:t>60 Queues</a:t>
+              <a:t>Uses a set of tables</a:t>
             </a:r>
           </a:p>
           <a:p>
             <a:pPr lvl="1"/>
             <a:r>
               <a:rPr lang="en-US" altLang="ko-KR" dirty="0"/>
+              <a:t>60 Queues</a:t>
+            </a:r>
+          </a:p>
+          <a:p>
+            <a:pPr lvl="1"/>
+            <a:r>
+              <a:rPr lang="en-US" altLang="ko-KR" dirty="0"/>
               <a:t>Slowly increasing time-slice length</a:t>
             </a:r>
           </a:p>
@@ -17510,19 +17964,73 @@
             <a:pPr lvl="1"/>
             <a:r>
               <a:rPr lang="en-US" altLang="ko-KR" dirty="0"/>
-              <a:t>Priorities boosted around every 1 second or so.</a:t>
+              <a:t>Priorities boosted around every 1 second or so</a:t>
             </a:r>
           </a:p>
           <a:p>
-            <a:pPr lvl="2"/>
+            <a:r>
+              <a:rPr lang="en-US" altLang="ko-KR" dirty="0"/>
+              <a:t>For FreeBSD, a mathematical formula is used to determine priority, usage is </a:t>
+            </a:r>
+            <a:r>
+              <a:rPr lang="en-US" altLang="ko-KR" b="1" dirty="0"/>
+              <a:t>decayed</a:t>
+            </a:r>
+            <a:r>
+              <a:rPr lang="en-US" altLang="ko-KR" dirty="0"/>
+              <a:t> over time</a:t>
+            </a:r>
+          </a:p>
+          <a:p>
+            <a:r>
+              <a:rPr lang="en-US" altLang="ko-KR" dirty="0"/>
+              <a:t>For other OSes, higher priority levels are given to the OS/kernel services</a:t>
+            </a:r>
+          </a:p>
+          <a:p>
+            <a:pPr lvl="1"/>
+            <a:r>
+              <a:rPr lang="en-US" altLang="ko-KR" dirty="0"/>
+              <a:t>Allows users to give an </a:t>
+            </a:r>
+            <a:r>
+              <a:rPr lang="en-US" altLang="ko-KR" b="1" dirty="0"/>
+              <a:t>advice</a:t>
+            </a:r>
+            <a:r>
+              <a:rPr lang="en-US" altLang="ko-KR" dirty="0"/>
+              <a:t> to help set the priority levels, example: the </a:t>
+            </a:r>
+            <a:r>
+              <a:rPr lang="en-US" altLang="ko-KR" dirty="0">
+                <a:latin typeface="Courier New" panose="02070309020205020404" pitchFamily="49" charset="0"/>
+                <a:cs typeface="Courier New" panose="02070309020205020404" pitchFamily="49" charset="0"/>
+              </a:rPr>
+              <a:t>nice</a:t>
+            </a:r>
+            <a:r>
+              <a:rPr lang="en-US" altLang="ko-KR" dirty="0"/>
+              <a:t> command</a:t>
+            </a:r>
+          </a:p>
+          <a:p>
+            <a:pPr lvl="1"/>
             <a:endParaRPr lang="en-US" altLang="ko-KR" dirty="0"/>
+          </a:p>
+          <a:p>
+            <a:pPr lvl="1"/>
+            <a:endParaRPr lang="en-US" altLang="ko-KR" dirty="0"/>
+          </a:p>
+          <a:p>
+            <a:pPr lvl="1"/>
+            <a:endParaRPr lang="en-PH" dirty="0"/>
           </a:p>
         </p:txBody>
       </p:sp>
     </p:spTree>
     <p:extLst>
       <p:ext uri="{BB962C8B-B14F-4D97-AF65-F5344CB8AC3E}">
-        <p14:creationId xmlns:p14="http://schemas.microsoft.com/office/powerpoint/2010/main" val="638203491"/>
+        <p14:creationId xmlns:p14="http://schemas.microsoft.com/office/powerpoint/2010/main" val="736479216"/>
       </p:ext>
     </p:extLst>
   </p:cSld>
@@ -18090,17 +18598,33 @@
           <a:p>
             <a:r>
               <a:rPr lang="en-US" altLang="ko-KR" dirty="0"/>
-              <a:t>A Scheduler that learns from the past to predict the future.</a:t>
-            </a:r>
+              <a:t>First described in the </a:t>
+            </a:r>
+            <a:r>
+              <a:rPr lang="en-US" altLang="ko-KR" b="1" dirty="0"/>
+              <a:t>Compatible Time-Sharing System (CTSS) </a:t>
+            </a:r>
+            <a:r>
+              <a:rPr lang="en-US" altLang="ko-KR" dirty="0"/>
+              <a:t>by </a:t>
+            </a:r>
+            <a:r>
+              <a:rPr lang="en-US" altLang="ko-KR" dirty="0" err="1"/>
+              <a:t>Corbato</a:t>
+            </a:r>
+            <a:endParaRPr lang="en-US" altLang="ko-KR" dirty="0"/>
           </a:p>
           <a:p>
             <a:r>
               <a:rPr lang="en-US" altLang="ko-KR" dirty="0"/>
-              <a:t>Objective:</a:t>
+              <a:t>Objectives</a:t>
             </a:r>
           </a:p>
           <a:p>
-            <a:pPr lvl="1"/>
+            <a:pPr marL="800100" lvl="1" indent="-342900">
+              <a:buFont typeface="+mj-lt"/>
+              <a:buAutoNum type="arabicPeriod"/>
+            </a:pPr>
             <a:r>
               <a:rPr lang="en-US" altLang="ko-KR" dirty="0"/>
               <a:t>Optimize </a:t>
@@ -18108,16 +18632,29 @@
             <a:r>
               <a:rPr lang="en-US" altLang="ko-KR" b="1" dirty="0"/>
               <a:t>turnaround time </a:t>
+            </a:r>
+            <a:r>
+              <a:rPr lang="en-US" altLang="ko-KR" dirty="0"/>
+              <a:t>by</a:t>
             </a:r>
             <a:r>
               <a:rPr lang="en-US" altLang="ko-KR" dirty="0">
                 <a:sym typeface="Wingdings" pitchFamily="2" charset="2"/>
               </a:rPr>
-              <a:t> Run shorter jobs first</a:t>
+              <a:t> </a:t>
+            </a:r>
+            <a:r>
+              <a:rPr lang="en-US" altLang="ko-KR" u="sng" dirty="0">
+                <a:sym typeface="Wingdings" pitchFamily="2" charset="2"/>
+              </a:rPr>
+              <a:t>running shorter processes first</a:t>
             </a:r>
           </a:p>
           <a:p>
-            <a:pPr lvl="1"/>
+            <a:pPr marL="800100" lvl="1" indent="-342900">
+              <a:buFont typeface="+mj-lt"/>
+              <a:buAutoNum type="arabicPeriod"/>
+            </a:pPr>
             <a:r>
               <a:rPr lang="en-US" altLang="ko-KR" dirty="0">
                 <a:sym typeface="Wingdings" pitchFamily="2" charset="2"/>
@@ -18131,23 +18668,25 @@
               <a:t>response time </a:t>
             </a:r>
             <a:r>
-              <a:rPr lang="en-US" altLang="ko-KR" dirty="0">
+              <a:rPr lang="en-US" altLang="ko-KR" u="sng" dirty="0">
                 <a:sym typeface="Wingdings" pitchFamily="2" charset="2"/>
               </a:rPr>
-              <a:t>without </a:t>
-            </a:r>
-            <a:r>
-              <a:rPr lang="en-US" altLang="ko-KR" i="1" dirty="0">
-                <a:sym typeface="Wingdings" pitchFamily="2" charset="2"/>
-              </a:rPr>
-              <a:t>a priori knowledge of job length</a:t>
-            </a:r>
-            <a:r>
-              <a:rPr lang="en-US" altLang="ko-KR" dirty="0">
-                <a:sym typeface="Wingdings" pitchFamily="2" charset="2"/>
-              </a:rPr>
-              <a:t>.</a:t>
-            </a:r>
+              <a:t>without a priori knowledge of a process’ run-time</a:t>
+            </a:r>
+          </a:p>
+          <a:p>
+            <a:pPr marL="400050"/>
+            <a:r>
+              <a:rPr lang="en-US" altLang="ko-KR" dirty="0"/>
+              <a:t>A scheduling policy that </a:t>
+            </a:r>
+            <a:r>
+              <a:rPr lang="en-US" altLang="ko-KR" u="sng" dirty="0"/>
+              <a:t>learns from the past to predict the future</a:t>
+            </a:r>
+          </a:p>
+          <a:p>
+            <a:pPr marL="400050"/>
             <a:endParaRPr lang="ko-KR" altLang="en-US" dirty="0"/>
           </a:p>
         </p:txBody>
@@ -18231,16 +18770,21 @@
               <a:rPr lang="en-US" altLang="ko-KR" b="1" dirty="0"/>
               <a:t>queues</a:t>
             </a:r>
-            <a:r>
-              <a:rPr lang="en-US" altLang="ko-KR" dirty="0"/>
-              <a:t>.</a:t>
-            </a:r>
+            <a:endParaRPr lang="en-US" altLang="ko-KR" dirty="0"/>
           </a:p>
           <a:p>
             <a:pPr lvl="1"/>
             <a:r>
               <a:rPr lang="en-US" altLang="ko-KR" dirty="0"/>
-              <a:t>Each queues is assigned a different priority level.</a:t>
+              <a:t>Queues are assigned different </a:t>
+            </a:r>
+            <a:r>
+              <a:rPr lang="en-US" altLang="ko-KR" b="1" dirty="0"/>
+              <a:t>priority </a:t>
+            </a:r>
+            <a:r>
+              <a:rPr lang="en-US" altLang="ko-KR" dirty="0"/>
+              <a:t>levels.</a:t>
             </a:r>
           </a:p>
           <a:p>
@@ -18250,38 +18794,50 @@
           <a:p>
             <a:r>
               <a:rPr lang="en-US" altLang="ko-KR" dirty="0"/>
-              <a:t>A job that is ready to run is on a single queue.</a:t>
+              <a:t>A process that is ready to run is assigned to a single queue</a:t>
             </a:r>
           </a:p>
           <a:p>
-            <a:pPr lvl="1"/>
+            <a:pPr marL="800100" lvl="1" indent="-342900">
+              <a:buFont typeface="+mj-lt"/>
+              <a:buAutoNum type="arabicPeriod"/>
+            </a:pPr>
             <a:r>
               <a:rPr lang="en-US" altLang="ko-KR" dirty="0"/>
-              <a:t>A job </a:t>
+              <a:t>Scheduler chooses a process </a:t>
             </a:r>
             <a:r>
               <a:rPr lang="en-US" altLang="ko-KR" b="1" dirty="0"/>
-              <a:t>on a higher queue </a:t>
+              <a:t>on a higher priority queue </a:t>
             </a:r>
             <a:r>
               <a:rPr lang="en-US" altLang="ko-KR" dirty="0"/>
-              <a:t>is chosen to run.</a:t>
+              <a:t>to run on the CPU</a:t>
             </a:r>
           </a:p>
           <a:p>
-            <a:pPr lvl="1"/>
+            <a:pPr marL="800100" lvl="1" indent="-342900">
+              <a:buFont typeface="+mj-lt"/>
+              <a:buAutoNum type="arabicPeriod"/>
+            </a:pPr>
             <a:r>
               <a:rPr lang="en-US" altLang="ko-KR" dirty="0"/>
-              <a:t>Use round-robin scheduling among jobs in the same queue</a:t>
-            </a:r>
+              <a:t>Use round-robin scheduling among processes on the same queue (since they have the same priority level)</a:t>
+            </a:r>
+          </a:p>
+          <a:p>
+            <a:pPr marL="800100" lvl="1" indent="-342900">
+              <a:buFont typeface="+mj-lt"/>
+              <a:buAutoNum type="arabicPeriod"/>
+            </a:pPr>
+            <a:endParaRPr lang="en-US" altLang="ko-KR" dirty="0"/>
           </a:p>
           <a:p>
             <a:pPr lvl="1"/>
             <a:endParaRPr lang="en-US" altLang="ko-KR" dirty="0"/>
           </a:p>
           <a:p>
-            <a:pPr lvl="1"/>
-            <a:endParaRPr lang="ko-KR" altLang="en-US" dirty="0"/>
+            <a:endParaRPr lang="en-US" altLang="ko-KR" dirty="0"/>
           </a:p>
         </p:txBody>
       </p:sp>
@@ -18293,7 +18849,7 @@
         </p:nvSpPr>
         <p:spPr>
           <a:xfrm>
-            <a:off x="2927648" y="4437112"/>
+            <a:off x="2927648" y="4293096"/>
             <a:ext cx="6192688" cy="936104"/>
           </a:xfrm>
           <a:prstGeom prst="roundRect">
@@ -18352,7 +18908,7 @@
         </p:nvSpPr>
         <p:spPr>
           <a:xfrm>
-            <a:off x="3315519" y="4582870"/>
+            <a:off x="3315519" y="4438854"/>
             <a:ext cx="5641288" cy="646331"/>
           </a:xfrm>
           <a:prstGeom prst="rect">
@@ -18406,7 +18962,7 @@
                 <a:latin typeface="맑은 고딕" pitchFamily="50" charset="-127"/>
                 <a:ea typeface="맑은 고딕" pitchFamily="50" charset="-127"/>
               </a:rPr>
-              <a:t>If Priority(A) = Priority(B), A &amp; B run in RR.</a:t>
+              <a:t>If Priority(A) == Priority(B), A &amp; B run in RR.</a:t>
             </a:r>
             <a:endParaRPr lang="ko-KR" altLang="en-US" dirty="0">
               <a:solidFill>
@@ -18491,7 +19047,18 @@
           <a:p>
             <a:r>
               <a:rPr lang="en-US" altLang="ko-KR" dirty="0"/>
-              <a:t>MLFQ varies the priority of a job based on </a:t>
+              <a:t>Key is </a:t>
+            </a:r>
+            <a:r>
+              <a:rPr lang="en-US" altLang="ko-KR" u="sng" dirty="0"/>
+              <a:t>how the scheduler sets the priority levels of the queues</a:t>
+            </a:r>
+            <a:endParaRPr lang="en-US" altLang="ko-KR" dirty="0"/>
+          </a:p>
+          <a:p>
+            <a:r>
+              <a:rPr lang="en-US" altLang="ko-KR" dirty="0"/>
+              <a:t>MLFQ varies the priority of a process based on </a:t>
             </a:r>
             <a:r>
               <a:rPr lang="en-US" altLang="ko-KR" dirty="0">
@@ -18501,11 +19068,11 @@
                   </a:schemeClr>
                 </a:solidFill>
               </a:rPr>
-              <a:t>its observed behavior</a:t>
+              <a:t>its observed behavior </a:t>
             </a:r>
             <a:r>
               <a:rPr lang="en-US" altLang="ko-KR" dirty="0"/>
-              <a:t>.</a:t>
+              <a:t>(rather than on a fixed priority value)</a:t>
             </a:r>
           </a:p>
           <a:p>
@@ -18518,13 +19085,13 @@
             <a:pPr lvl="1"/>
             <a:r>
               <a:rPr lang="en-US" altLang="ko-KR" dirty="0"/>
-              <a:t>A job repeatedly relinquishes the CPU while waiting IOs </a:t>
+              <a:t>A process that repeatedly relinquishes the CPU while waiting IOs </a:t>
             </a:r>
             <a:r>
               <a:rPr lang="en-US" altLang="ko-KR" dirty="0">
                 <a:sym typeface="Wingdings" pitchFamily="2" charset="2"/>
               </a:rPr>
-              <a:t> Keep its priority high</a:t>
+              <a:t>(an interactive process)  Keep its priority high</a:t>
             </a:r>
           </a:p>
           <a:p>
@@ -18533,8 +19100,13 @@
               <a:rPr lang="en-US" altLang="ko-KR" dirty="0">
                 <a:sym typeface="Wingdings" pitchFamily="2" charset="2"/>
               </a:rPr>
-              <a:t>A job uses the CPU intensively for long periods of time  Reduce its priority.</a:t>
-            </a:r>
+              <a:t>A process that uses the CPU intensively for long periods of time (a CPU-intensive process)  Reduce its priority</a:t>
+            </a:r>
+          </a:p>
+          <a:p>
+            <a:endParaRPr lang="en-US" altLang="ko-KR" dirty="0">
+              <a:sym typeface="Wingdings" pitchFamily="2" charset="2"/>
+            </a:endParaRPr>
           </a:p>
           <a:p>
             <a:pPr lvl="1"/>
@@ -19245,6 +19817,74 @@
           </a:p>
         </p:txBody>
       </p:sp>
+      <p:sp>
+        <p:nvSpPr>
+          <p:cNvPr id="14" name="모서리가 둥근 직사각형 5">
+            <a:extLst>
+              <a:ext uri="{FF2B5EF4-FFF2-40B4-BE49-F238E27FC236}">
+                <a16:creationId xmlns:a16="http://schemas.microsoft.com/office/drawing/2014/main" id="{21AA7FD8-FB33-4355-95A8-3975828C1F7F}"/>
+              </a:ext>
+            </a:extLst>
+          </p:cNvPr>
+          <p:cNvSpPr/>
+          <p:nvPr/>
+        </p:nvSpPr>
+        <p:spPr>
+          <a:xfrm>
+            <a:off x="7608168" y="1916832"/>
+            <a:ext cx="4218881" cy="1194168"/>
+          </a:xfrm>
+          <a:prstGeom prst="roundRect">
+            <a:avLst>
+              <a:gd name="adj" fmla="val 7736"/>
+            </a:avLst>
+          </a:prstGeom>
+          <a:solidFill>
+            <a:srgbClr val="FFC000"/>
+          </a:solidFill>
+          <a:ln w="15875">
+            <a:solidFill>
+              <a:schemeClr val="accent6">
+                <a:lumMod val="50000"/>
+              </a:schemeClr>
+            </a:solidFill>
+          </a:ln>
+          <a:effectLst/>
+        </p:spPr>
+        <p:style>
+          <a:lnRef idx="3">
+            <a:schemeClr val="lt1"/>
+          </a:lnRef>
+          <a:fillRef idx="1">
+            <a:schemeClr val="accent1"/>
+          </a:fillRef>
+          <a:effectRef idx="1">
+            <a:schemeClr val="accent1"/>
+          </a:effectRef>
+          <a:fontRef idx="minor">
+            <a:schemeClr val="lt1"/>
+          </a:fontRef>
+        </p:style>
+        <p:txBody>
+          <a:bodyPr wrap="square" lIns="108000" rIns="108000" rtlCol="0" anchor="ctr">
+            <a:noAutofit/>
+          </a:bodyPr>
+          <a:lstStyle/>
+          <a:p>
+            <a:pPr algn="ctr"/>
+            <a:r>
+              <a:rPr lang="en-US" altLang="ko-KR" sz="2000" b="1" dirty="0">
+                <a:solidFill>
+                  <a:prstClr val="black"/>
+                </a:solidFill>
+                <a:latin typeface="맑은 고딕" panose="020B0503020000020004" pitchFamily="50" charset="-127"/>
+                <a:ea typeface="맑은 고딕" panose="020B0503020000020004" pitchFamily="50" charset="-127"/>
+              </a:rPr>
+              <a:t>As long as there are processes in high-priority queues, they will be scheduled first.</a:t>
+            </a:r>
+          </a:p>
+        </p:txBody>
+      </p:sp>
     </p:spTree>
     <p:extLst>
       <p:ext uri="{BB962C8B-B14F-4D97-AF65-F5344CB8AC3E}">
@@ -19295,7 +19935,7 @@
           <a:p>
             <a:r>
               <a:rPr lang="en-US" altLang="ko-KR" dirty="0"/>
-              <a:t>MLFQ: How to Change Priority</a:t>
+              <a:t>How to Change Priority: Approach #1</a:t>
             </a:r>
             <a:endParaRPr lang="ko-KR" altLang="en-US" dirty="0"/>
           </a:p>
@@ -19317,41 +19957,32 @@
           <a:lstStyle/>
           <a:p>
             <a:r>
+              <a:rPr lang="en-US" altLang="ko-KR" b="1" dirty="0"/>
+              <a:t>Rule 3</a:t>
+            </a:r>
+            <a:r>
               <a:rPr lang="en-US" altLang="ko-KR" dirty="0"/>
-              <a:t>MLFQ priority adjustment algorithm:</a:t>
+              <a:t>: When a process enters the system, it is placed at the highest priority queue</a:t>
             </a:r>
           </a:p>
           <a:p>
-            <a:pPr lvl="1"/>
             <a:r>
               <a:rPr lang="en-US" altLang="ko-KR" b="1" dirty="0"/>
-              <a:t>Rule 3</a:t>
+              <a:t>Rule 4a</a:t>
             </a:r>
             <a:r>
               <a:rPr lang="en-US" altLang="ko-KR" dirty="0"/>
-              <a:t>: When a job enters the system, it is placed at the highest priority</a:t>
+              <a:t>: If a process uses up an entire time slice while running, its priority is reduced (i.e., it moves down on queue).</a:t>
             </a:r>
           </a:p>
           <a:p>
-            <a:pPr lvl="1"/>
-            <a:r>
-              <a:rPr lang="en-US" altLang="ko-KR" b="1" dirty="0"/>
-              <a:t>Rule 4a</a:t>
-            </a:r>
-            <a:r>
-              <a:rPr lang="en-US" altLang="ko-KR" dirty="0"/>
-              <a:t>: If a job uses up an entire time slice while running, its priority is reduced (i.e., it moves down on queue).</a:t>
-            </a:r>
-          </a:p>
-          <a:p>
-            <a:pPr lvl="1"/>
             <a:r>
               <a:rPr lang="en-US" altLang="ko-KR" b="1" dirty="0"/>
               <a:t>Rule 4b</a:t>
             </a:r>
             <a:r>
               <a:rPr lang="en-US" altLang="ko-KR" dirty="0"/>
-              <a:t>: If a job gives up the CPU before the time slice is up, it stays at the same priority level</a:t>
+              <a:t>: If a process gives up the CPU before the time slice is up, it stays at the same priority level</a:t>
             </a:r>
           </a:p>
           <a:p>
@@ -19368,7 +19999,7 @@
         </p:nvSpPr>
         <p:spPr>
           <a:xfrm>
-            <a:off x="2855640" y="4365104"/>
+            <a:off x="2855640" y="3933056"/>
             <a:ext cx="6480720" cy="936104"/>
           </a:xfrm>
           <a:prstGeom prst="roundRect">
